--- a/slides/WSTA_L12_question_answering.pptx
+++ b/slides/WSTA_L12_question_answering.pptx
@@ -897,7 +897,7 @@
           </a:ln>
           <a:extLst>
             <a:ext uri="{C572A759-6A51-4108-AA02-DFA0A04FC94B}">
-              <ma14:wrappingTextBoxFlag xmlns:ma14="http://schemas.microsoft.com/office/mac/drawingml/2011/main" xmlns="" val="1"/>
+              <ma14:wrappingTextBoxFlag xmlns="" xmlns:ma14="http://schemas.microsoft.com/office/mac/drawingml/2011/main" val="1"/>
             </a:ext>
           </a:extLst>
         </p:spPr>
@@ -2575,7 +2575,7 @@
           </a:ln>
           <a:extLst>
             <a:ext uri="{C572A759-6A51-4108-AA02-DFA0A04FC94B}">
-              <ma14:wrappingTextBoxFlag xmlns:ma14="http://schemas.microsoft.com/office/mac/drawingml/2011/main" xmlns="" val="1"/>
+              <ma14:wrappingTextBoxFlag xmlns="" xmlns:ma14="http://schemas.microsoft.com/office/mac/drawingml/2011/main" val="1"/>
             </a:ext>
           </a:extLst>
         </p:spPr>
@@ -2615,7 +2615,7 @@
           </a:ln>
           <a:extLst>
             <a:ext uri="{C572A759-6A51-4108-AA02-DFA0A04FC94B}">
-              <ma14:wrappingTextBoxFlag xmlns:ma14="http://schemas.microsoft.com/office/mac/drawingml/2011/main" xmlns="" val="1"/>
+              <ma14:wrappingTextBoxFlag xmlns="" xmlns:ma14="http://schemas.microsoft.com/office/mac/drawingml/2011/main" val="1"/>
             </a:ext>
           </a:extLst>
         </p:spPr>
@@ -3929,15 +3929,7 @@
             </a:pPr>
             <a:r>
               <a:rPr lang="en-AU" dirty="0" smtClean="0"/>
-              <a:t>Is-a</a:t>
-            </a:r>
-            <a:r>
-              <a:rPr lang="en-AU" dirty="0" smtClean="0"/>
-              <a:t>(?</a:t>
-            </a:r>
-            <a:r>
-              <a:rPr lang="en-AU" dirty="0" smtClean="0"/>
-              <a:t>x, MAMMAL)^egg-laying(?x)</a:t>
+              <a:t>Is-a(?x, MAMMAL)^egg-laying(?x)</a:t>
             </a:r>
           </a:p>
           <a:p>
@@ -3949,15 +3941,7 @@
             </a:pPr>
             <a:r>
               <a:rPr lang="en-AU" dirty="0" smtClean="0"/>
-              <a:t>When was the </a:t>
-            </a:r>
-            <a:r>
-              <a:rPr lang="en-AU" dirty="0" smtClean="0"/>
-              <a:t>Magna Carta signed</a:t>
-            </a:r>
-            <a:r>
-              <a:rPr lang="en-AU" dirty="0" smtClean="0"/>
-              <a:t>? </a:t>
+              <a:t>When was the Magna Carta signed? </a:t>
             </a:r>
             <a:r>
               <a:rPr lang="en-AU" sz="3400" dirty="0" smtClean="0">
@@ -3975,11 +3959,7 @@
             </a:pPr>
             <a:r>
               <a:rPr lang="en-AU" dirty="0" smtClean="0"/>
-              <a:t>year(MAGNA_CARTA_SIGNING, </a:t>
-            </a:r>
-            <a:r>
-              <a:rPr lang="en-AU" dirty="0" smtClean="0"/>
-              <a:t>?x)</a:t>
+              <a:t>year(MAGNA_CARTA_SIGNING, ?x)</a:t>
             </a:r>
           </a:p>
           <a:p>
@@ -4363,11 +4343,7 @@
             </a:r>
             <a:r>
               <a:rPr lang="en-AU" dirty="0" smtClean="0"/>
-              <a:t>, </a:t>
-            </a:r>
-            <a:r>
-              <a:rPr lang="en-AU" dirty="0" smtClean="0"/>
-              <a:t>include </a:t>
+              <a:t>, include </a:t>
             </a:r>
             <a:r>
               <a:rPr lang="en-AU" i="1" dirty="0" smtClean="0"/>
@@ -4385,7 +4361,6 @@
               <a:rPr lang="en-AU" dirty="0" smtClean="0"/>
               <a:t> </a:t>
             </a:r>
-            <a:endParaRPr lang="en-AU" dirty="0" smtClean="0"/>
           </a:p>
           <a:p>
             <a:r>
@@ -4712,13 +4687,8 @@
             </a:r>
             <a:r>
               <a:rPr lang="en-AU" dirty="0" smtClean="0"/>
-              <a:t>-word/headword question </a:t>
-            </a:r>
-            <a:r>
-              <a:rPr lang="en-AU" dirty="0" smtClean="0"/>
-              <a:t>pattern </a:t>
-            </a:r>
-            <a:endParaRPr lang="en-AU" dirty="0" smtClean="0"/>
+              <a:t>-word/headword question pattern </a:t>
+            </a:r>
           </a:p>
           <a:p>
             <a:r>
@@ -5149,11 +5119,7 @@
             </a:pPr>
             <a:r>
               <a:rPr lang="en-AU" dirty="0" smtClean="0"/>
-              <a:t>What’s </a:t>
-            </a:r>
-            <a:r>
-              <a:rPr lang="en-AU" dirty="0" smtClean="0"/>
-              <a:t>the capital of Nepal?</a:t>
+              <a:t>What’s the capital of Nepal?</a:t>
             </a:r>
           </a:p>
           <a:p>
@@ -5180,11 +5146,7 @@
             </a:pPr>
             <a:r>
               <a:rPr lang="en-AU" dirty="0" smtClean="0"/>
-              <a:t>Answer type: </a:t>
-            </a:r>
-            <a:r>
-              <a:rPr lang="en-AU" dirty="0" smtClean="0"/>
-              <a:t>duration</a:t>
+              <a:t>Answer type: duration</a:t>
             </a:r>
           </a:p>
           <a:p>
@@ -5222,7 +5184,6 @@
               <a:rPr lang="en-AU" dirty="0" smtClean="0"/>
               <a:t>Answer type: definition</a:t>
             </a:r>
-            <a:endParaRPr lang="en-AU" dirty="0" smtClean="0"/>
           </a:p>
           <a:p>
             <a:pPr marL="0" indent="0">
@@ -5658,18 +5619,19 @@
             </a:r>
             <a:r>
               <a:rPr lang="en-AU" dirty="0" smtClean="0"/>
-              <a:t>amed </a:t>
-            </a:r>
-            <a:r>
-              <a:rPr lang="en-AU" dirty="0" smtClean="0"/>
-              <a:t>entities corresponding to answer type</a:t>
-            </a:r>
-          </a:p>
-          <a:p>
-            <a:r>
-              <a:rPr lang="en-AU" dirty="0" smtClean="0"/>
-              <a:t>Count of query words</a:t>
-            </a:r>
+              <a:t>amed entities corresponding to answer type</a:t>
+            </a:r>
+          </a:p>
+          <a:p>
+            <a:r>
+              <a:rPr lang="en-AU" dirty="0" smtClean="0"/>
+              <a:t>Count of query </a:t>
+            </a:r>
+            <a:r>
+              <a:rPr lang="en-AU" dirty="0" smtClean="0"/>
+              <a:t>words in document</a:t>
+            </a:r>
+            <a:endParaRPr lang="en-AU" dirty="0" smtClean="0"/>
           </a:p>
           <a:p>
             <a:r>
@@ -5686,15 +5648,7 @@
           <a:p>
             <a:r>
               <a:rPr lang="en-AU" dirty="0" smtClean="0"/>
-              <a:t>N-gram overlap between </a:t>
-            </a:r>
-            <a:r>
-              <a:rPr lang="en-AU" dirty="0" smtClean="0"/>
-              <a:t>original question and </a:t>
-            </a:r>
-            <a:r>
-              <a:rPr lang="en-AU" dirty="0" smtClean="0"/>
-              <a:t>passage</a:t>
+              <a:t>N-gram overlap between original question and passage</a:t>
             </a:r>
           </a:p>
           <a:p>
@@ -5789,14 +5743,32 @@
           <a:p>
             <a:r>
               <a:rPr lang="en-AU" dirty="0" smtClean="0"/>
-              <a:t>Possibly trivial, if only one named entity of correct type in relevant passage</a:t>
-            </a:r>
-          </a:p>
-          <a:p>
-            <a:r>
-              <a:rPr lang="en-AU" dirty="0" smtClean="0"/>
-              <a:t>But sometimes multiple entities</a:t>
-            </a:r>
+              <a:t>Possibly trivial, if only one named entity of correct type </a:t>
+            </a:r>
+            <a:r>
+              <a:rPr lang="en-AU" smtClean="0"/>
+              <a:t>in </a:t>
+            </a:r>
+            <a:r>
+              <a:rPr lang="en-AU" smtClean="0"/>
+              <a:t>retrieved</a:t>
+            </a:r>
+            <a:r>
+              <a:rPr lang="en-AU" smtClean="0"/>
+              <a:t> passage(s)</a:t>
+            </a:r>
+            <a:endParaRPr lang="en-AU" dirty="0" smtClean="0"/>
+          </a:p>
+          <a:p>
+            <a:r>
+              <a:rPr lang="en-AU" dirty="0" smtClean="0"/>
+              <a:t>But sometimes multiple </a:t>
+            </a:r>
+            <a:r>
+              <a:rPr lang="en-AU" dirty="0" smtClean="0"/>
+              <a:t>entities</a:t>
+            </a:r>
+            <a:endParaRPr lang="en-AU" dirty="0" smtClean="0"/>
           </a:p>
           <a:p>
             <a:r>
@@ -5865,23 +5837,7 @@
                   <a:schemeClr val="accent5"/>
                 </a:solidFill>
               </a:rPr>
-              <a:t> software company best known </a:t>
-            </a:r>
-            <a:r>
-              <a:rPr lang="en-AU" dirty="0" smtClean="0">
-                <a:solidFill>
-                  <a:schemeClr val="accent5"/>
-                </a:solidFill>
-              </a:rPr>
-              <a:t>for creating the </a:t>
-            </a:r>
-            <a:r>
-              <a:rPr lang="en-AU" dirty="0" smtClean="0">
-                <a:solidFill>
-                  <a:schemeClr val="accent5"/>
-                </a:solidFill>
-              </a:rPr>
-              <a:t>Windows operating system</a:t>
+              <a:t> software company best known for creating the Windows operating system</a:t>
             </a:r>
             <a:r>
               <a:rPr lang="en-AU" dirty="0" smtClean="0"/>
@@ -5988,15 +5944,7 @@
           <a:p>
             <a:r>
               <a:rPr lang="en-AU" dirty="0" smtClean="0"/>
-              <a:t>Features for </a:t>
-            </a:r>
-            <a:r>
-              <a:rPr lang="en-AU" dirty="0" smtClean="0"/>
-              <a:t>answer </a:t>
-            </a:r>
-            <a:r>
-              <a:rPr lang="en-AU" dirty="0" smtClean="0"/>
-              <a:t>extraction</a:t>
+              <a:t>Features for answer extraction</a:t>
             </a:r>
             <a:endParaRPr lang="en-AU" dirty="0"/>
           </a:p>
@@ -6045,16 +5993,11 @@
               <a:rPr lang="en-AU" dirty="0" smtClean="0"/>
               <a:t>words</a:t>
             </a:r>
-            <a:endParaRPr lang="en-AU" dirty="0" smtClean="0"/>
-          </a:p>
-          <a:p>
-            <a:r>
-              <a:rPr lang="en-AU" dirty="0" smtClean="0"/>
-              <a:t>Distance </a:t>
-            </a:r>
-            <a:r>
-              <a:rPr lang="en-AU" dirty="0" smtClean="0"/>
-              <a:t>from keywords </a:t>
+          </a:p>
+          <a:p>
+            <a:r>
+              <a:rPr lang="en-AU" dirty="0" smtClean="0"/>
+              <a:t>Distance from keywords </a:t>
             </a:r>
           </a:p>
           <a:p>
@@ -6078,11 +6021,7 @@
           <a:p>
             <a:r>
               <a:rPr lang="en-AU" dirty="0" smtClean="0"/>
-              <a:t>Followed </a:t>
-            </a:r>
-            <a:r>
-              <a:rPr lang="en-AU" dirty="0" smtClean="0"/>
-              <a:t>by punctuation</a:t>
+              <a:t>Followed by punctuation</a:t>
             </a:r>
             <a:endParaRPr lang="en-AU" dirty="0"/>
           </a:p>
@@ -6148,11 +6087,7 @@
           <a:p>
             <a:r>
               <a:rPr lang="en-AU" dirty="0" smtClean="0"/>
-              <a:t>Open-domain Corpora </a:t>
-            </a:r>
-            <a:r>
-              <a:rPr lang="en-AU" dirty="0" smtClean="0"/>
-              <a:t>for QA</a:t>
+              <a:t>Open-domain Corpora for QA</a:t>
             </a:r>
             <a:endParaRPr lang="en-AU" dirty="0"/>
           </a:p>
@@ -6195,11 +6130,7 @@
             <a:pPr lvl="1"/>
             <a:r>
               <a:rPr lang="en-AU" dirty="0" smtClean="0"/>
-              <a:t>~6k constrained questions </a:t>
-            </a:r>
-            <a:r>
-              <a:rPr lang="en-AU" dirty="0" smtClean="0"/>
-              <a:t>asked by </a:t>
+              <a:t>~6k constrained questions asked by </a:t>
             </a:r>
             <a:r>
               <a:rPr lang="en-AU" dirty="0" err="1" smtClean="0"/>
@@ -6229,11 +6160,7 @@
             <a:pPr lvl="1"/>
             <a:r>
               <a:rPr lang="en-AU" dirty="0" smtClean="0"/>
-              <a:t>Latest and greatest in QA, reading comprehension based on </a:t>
-            </a:r>
-            <a:r>
-              <a:rPr lang="en-AU" dirty="0" smtClean="0"/>
-              <a:t>paragraphs </a:t>
+              <a:t>Latest and greatest in QA, reading comprehension based on paragraphs </a:t>
             </a:r>
             <a:r>
               <a:rPr lang="en-AU" dirty="0" err="1" smtClean="0"/>
@@ -6337,26 +6264,14 @@
           <a:p>
             <a:r>
               <a:rPr lang="en-AU" dirty="0" smtClean="0"/>
-              <a:t>Reciprocal rank: </a:t>
-            </a:r>
-            <a:r>
-              <a:rPr lang="en-AU" dirty="0" smtClean="0"/>
-              <a:t>inverse </a:t>
-            </a:r>
-            <a:r>
-              <a:rPr lang="en-AU" dirty="0" smtClean="0"/>
-              <a:t>rank of the first correct answer</a:t>
+              <a:t>Reciprocal rank: inverse rank of the first correct answer</a:t>
             </a:r>
           </a:p>
           <a:p>
             <a:pPr lvl="1"/>
             <a:r>
               <a:rPr lang="en-AU" dirty="0" smtClean="0"/>
-              <a:t>Zero </a:t>
-            </a:r>
-            <a:r>
-              <a:rPr lang="en-AU" dirty="0" smtClean="0"/>
-              <a:t>if correct answer not ranked</a:t>
+              <a:t>Zero if correct answer not ranked</a:t>
             </a:r>
           </a:p>
           <a:p>
@@ -6377,16 +6292,11 @@
               <a:rPr lang="en-AU" dirty="0" smtClean="0"/>
               <a:t>instances</a:t>
             </a:r>
-            <a:endParaRPr lang="en-AU" dirty="0" smtClean="0"/>
-          </a:p>
-          <a:p>
-            <a:r>
-              <a:rPr lang="en-AU" dirty="0" smtClean="0"/>
-              <a:t>Only </a:t>
-            </a:r>
-            <a:r>
-              <a:rPr lang="en-AU" dirty="0" smtClean="0"/>
-              <a:t>appropriate for ranking models</a:t>
+          </a:p>
+          <a:p>
+            <a:r>
+              <a:rPr lang="en-AU" dirty="0" smtClean="0"/>
+              <a:t>Only appropriate for ranking models</a:t>
             </a:r>
           </a:p>
           <a:p>
@@ -6611,15 +6521,7 @@
           <a:p>
             <a:r>
               <a:rPr lang="en-AU" dirty="0" smtClean="0"/>
-              <a:t>END-TO-END </a:t>
-            </a:r>
-            <a:r>
-              <a:rPr lang="en-AU" dirty="0" smtClean="0"/>
-              <a:t>real QA SYSTEM: </a:t>
-            </a:r>
-            <a:r>
-              <a:rPr lang="en-AU" dirty="0" smtClean="0"/>
-              <a:t>Watson</a:t>
+              <a:t>END-TO-END real QA SYSTEM: Watson</a:t>
             </a:r>
             <a:endParaRPr lang="en-AU" dirty="0"/>
           </a:p>
@@ -6648,15 +6550,7 @@
           <a:p>
             <a:r>
               <a:rPr lang="en-AU" dirty="0" smtClean="0"/>
-              <a:t>In Jeopardy</a:t>
-            </a:r>
-            <a:r>
-              <a:rPr lang="en-AU" dirty="0" smtClean="0"/>
-              <a:t>! </a:t>
-            </a:r>
-            <a:r>
-              <a:rPr lang="en-AU" dirty="0" smtClean="0"/>
-              <a:t>question and answer are reversed</a:t>
+              <a:t>In Jeopardy! question and answer are reversed</a:t>
             </a:r>
           </a:p>
           <a:p>
@@ -6850,11 +6744,7 @@
             </a:r>
             <a:r>
               <a:rPr lang="en-AU" dirty="0" smtClean="0"/>
-              <a:t>: Parsing </a:t>
-            </a:r>
-            <a:r>
-              <a:rPr lang="en-AU" dirty="0" smtClean="0"/>
-              <a:t>and NER</a:t>
+              <a:t>: Parsing and NER</a:t>
             </a:r>
           </a:p>
           <a:p>
@@ -6887,11 +6777,7 @@
           <a:p>
             <a:r>
               <a:rPr lang="en-AU" dirty="0" smtClean="0"/>
-              <a:t>Relation extraction, e.g. </a:t>
-            </a:r>
-            <a:r>
-              <a:rPr lang="en-AU" dirty="0" smtClean="0"/>
-              <a:t>starred-in(</a:t>
+              <a:t>Relation extraction, e.g. starred-in(</a:t>
             </a:r>
             <a:r>
               <a:rPr lang="en-AU" dirty="0" err="1" smtClean="0"/>
@@ -6944,7 +6830,6 @@
               <a:rPr lang="en-AU" dirty="0" smtClean="0"/>
               <a:t>Or the category of the clue</a:t>
             </a:r>
-            <a:endParaRPr lang="en-AU" dirty="0" smtClean="0"/>
           </a:p>
           <a:p>
             <a:pPr lvl="1"/>
@@ -7233,11 +7118,7 @@
           <a:p>
             <a:r>
               <a:rPr lang="en-AU" dirty="0" smtClean="0"/>
-              <a:t>Encourage temporal </a:t>
-            </a:r>
-            <a:r>
-              <a:rPr lang="en-AU" dirty="0" smtClean="0"/>
-              <a:t>consistency</a:t>
+              <a:t>Encourage temporal consistency</a:t>
             </a:r>
           </a:p>
           <a:p>
@@ -7249,19 +7130,7 @@
           <a:p>
             <a:r>
               <a:rPr lang="en-AU" dirty="0" smtClean="0"/>
-              <a:t>Apply logistic regression </a:t>
-            </a:r>
-            <a:r>
-              <a:rPr lang="en-AU" dirty="0" smtClean="0"/>
-              <a:t>classifier to </a:t>
-            </a:r>
-            <a:r>
-              <a:rPr lang="en-AU" dirty="0" smtClean="0"/>
-              <a:t>choose final </a:t>
-            </a:r>
-            <a:r>
-              <a:rPr lang="en-AU" dirty="0" smtClean="0"/>
-              <a:t>answer</a:t>
+              <a:t>Apply logistic regression classifier to choose final answer</a:t>
             </a:r>
           </a:p>
           <a:p>
@@ -7270,7 +7139,6 @@
               <a:rPr lang="en-AU" dirty="0" smtClean="0"/>
               <a:t>Rank using output probability</a:t>
             </a:r>
-            <a:endParaRPr lang="en-AU" dirty="0" smtClean="0"/>
           </a:p>
           <a:p>
             <a:endParaRPr lang="en-AU" dirty="0"/>
@@ -7550,65 +7418,27 @@
           <a:p>
             <a:r>
               <a:rPr lang="en-AU" dirty="0" smtClean="0"/>
-              <a:t>Why do people </a:t>
-            </a:r>
-            <a:r>
-              <a:rPr lang="en-AU" dirty="0" smtClean="0"/>
-              <a:t>create</a:t>
-            </a:r>
-            <a:r>
-              <a:rPr lang="en-AU" dirty="0" smtClean="0"/>
-              <a:t> QA systems?</a:t>
-            </a:r>
-            <a:endParaRPr lang="en-AU" dirty="0" smtClean="0"/>
+              <a:t>Why do people create QA systems?</a:t>
+            </a:r>
           </a:p>
           <a:p>
             <a:pPr lvl="1"/>
             <a:r>
               <a:rPr lang="en-AU" dirty="0" smtClean="0"/>
-              <a:t>Because </a:t>
-            </a:r>
-            <a:r>
-              <a:rPr lang="en-AU" dirty="0" smtClean="0"/>
-              <a:t>we</a:t>
-            </a:r>
-            <a:r>
-              <a:rPr lang="en-AU" dirty="0" smtClean="0"/>
-              <a:t> </a:t>
-            </a:r>
-            <a:r>
-              <a:rPr lang="en-AU" dirty="0" smtClean="0"/>
-              <a:t>want quick access to specific information</a:t>
+              <a:t>Because we want quick access to specific information</a:t>
             </a:r>
           </a:p>
           <a:p>
             <a:pPr lvl="1"/>
             <a:r>
               <a:rPr lang="en-AU" dirty="0" smtClean="0"/>
-              <a:t>More human-friendly than traditional </a:t>
-            </a:r>
-            <a:r>
-              <a:rPr lang="en-AU" dirty="0" smtClean="0"/>
-              <a:t>web search</a:t>
-            </a:r>
-            <a:endParaRPr lang="en-AU" dirty="0" smtClean="0"/>
-          </a:p>
-          <a:p>
-            <a:r>
-              <a:rPr lang="en-AU" dirty="0" smtClean="0"/>
-              <a:t>Why are we learning </a:t>
-            </a:r>
-            <a:r>
-              <a:rPr lang="en-AU" dirty="0" smtClean="0"/>
-              <a:t>about </a:t>
-            </a:r>
-            <a:r>
-              <a:rPr lang="en-AU" dirty="0" smtClean="0"/>
-              <a:t>QA</a:t>
-            </a:r>
-            <a:r>
-              <a:rPr lang="en-AU" dirty="0" smtClean="0"/>
-              <a:t>?</a:t>
+              <a:t>More human-friendly than traditional web search</a:t>
+            </a:r>
+          </a:p>
+          <a:p>
+            <a:r>
+              <a:rPr lang="en-AU" dirty="0" smtClean="0"/>
+              <a:t>Why are we learning about QA?</a:t>
             </a:r>
           </a:p>
           <a:p>
@@ -7629,15 +7459,7 @@
             <a:pPr lvl="1"/>
             <a:r>
               <a:rPr lang="en-AU" dirty="0" smtClean="0"/>
-              <a:t>The subject of </a:t>
-            </a:r>
-            <a:r>
-              <a:rPr lang="en-AU" dirty="0" smtClean="0"/>
-              <a:t>the final </a:t>
-            </a:r>
-            <a:r>
-              <a:rPr lang="en-AU" dirty="0" smtClean="0"/>
-              <a:t>project</a:t>
+              <a:t>The subject of the final project</a:t>
             </a:r>
             <a:endParaRPr lang="en-AU" dirty="0"/>
           </a:p>
@@ -7749,15 +7571,7 @@
           <a:p>
             <a:r>
               <a:rPr lang="en-AU" dirty="0" smtClean="0"/>
-              <a:t>QA as </a:t>
-            </a:r>
-            <a:r>
-              <a:rPr lang="en-AU" dirty="0" smtClean="0"/>
-              <a:t>sequential </a:t>
-            </a:r>
-            <a:r>
-              <a:rPr lang="en-AU" dirty="0" smtClean="0"/>
-              <a:t>deep learning</a:t>
+              <a:t>QA as sequential deep learning</a:t>
             </a:r>
           </a:p>
         </p:txBody>
@@ -7925,15 +7739,7 @@
           <a:p>
             <a:r>
               <a:rPr lang="en-AU" dirty="0" smtClean="0"/>
-              <a:t>anatomy of a </a:t>
-            </a:r>
-            <a:r>
-              <a:rPr lang="en-AU" dirty="0" smtClean="0"/>
-              <a:t>FACTOID </a:t>
-            </a:r>
-            <a:r>
-              <a:rPr lang="en-AU" dirty="0" smtClean="0"/>
-              <a:t>question</a:t>
+              <a:t>anatomy of a FACTOID question</a:t>
             </a:r>
             <a:endParaRPr lang="en-AU" dirty="0"/>
           </a:p>
@@ -9291,11 +9097,7 @@
             </a:r>
             <a:r>
               <a:rPr lang="en-AU" dirty="0" smtClean="0"/>
-              <a:t> founder(BILL_GATES</a:t>
-            </a:r>
-            <a:r>
-              <a:rPr lang="en-AU" dirty="0" smtClean="0"/>
-              <a:t>, ?x) ^ company(?x)</a:t>
+              <a:t> founder(BILL_GATES, ?x) ^ company(?x)</a:t>
             </a:r>
           </a:p>
           <a:p>
@@ -9409,7 +9211,6 @@
               <a:rPr lang="en-AU" dirty="0" smtClean="0"/>
               <a:t>Problem: natural language is too variable</a:t>
             </a:r>
-            <a:endParaRPr lang="en-AU" dirty="0" smtClean="0"/>
           </a:p>
           <a:p>
             <a:pPr lvl="1"/>
@@ -9931,15 +9732,7 @@
                   <a:srgbClr val="0070C0"/>
                 </a:solidFill>
               </a:rPr>
-              <a:t>Bill </a:t>
-            </a:r>
-            <a:r>
-              <a:rPr lang="en-AU" i="1" dirty="0" smtClean="0">
-                <a:solidFill>
-                  <a:srgbClr val="0070C0"/>
-                </a:solidFill>
-              </a:rPr>
-              <a:t>Gates </a:t>
+              <a:t>Bill Gates </a:t>
             </a:r>
             <a:r>
               <a:rPr lang="en-AU" i="1" dirty="0" smtClean="0">
@@ -10021,7 +9814,15 @@
                   <a:srgbClr val="FF0000"/>
                 </a:solidFill>
               </a:rPr>
-              <a:t>be a founder of </a:t>
+              <a:t>be a founder </a:t>
+            </a:r>
+            <a:r>
+              <a:rPr lang="en-AU" i="1" dirty="0" smtClean="0">
+                <a:solidFill>
+                  <a:srgbClr val="FF0000"/>
+                </a:solidFill>
+              </a:rPr>
+              <a:t>of</a:t>
             </a:r>
             <a:r>
               <a:rPr lang="en-AU" i="1" dirty="0" smtClean="0">
@@ -10135,11 +9936,7 @@
           <a:p>
             <a:r>
               <a:rPr lang="en-AU" dirty="0" smtClean="0"/>
-              <a:t>Main </a:t>
-            </a:r>
-            <a:r>
-              <a:rPr lang="en-AU" dirty="0" smtClean="0"/>
-              <a:t>difficulty: Lots of junk!</a:t>
+              <a:t>Main difficulty: Lots of junk!</a:t>
             </a:r>
           </a:p>
           <a:p>

--- a/slides/WSTA_L12_question_answering.pptx
+++ b/slides/WSTA_L12_question_answering.pptx
@@ -897,7 +897,7 @@
           </a:ln>
           <a:extLst>
             <a:ext uri="{C572A759-6A51-4108-AA02-DFA0A04FC94B}">
-              <ma14:wrappingTextBoxFlag xmlns="" xmlns:ma14="http://schemas.microsoft.com/office/mac/drawingml/2011/main" val="1"/>
+              <ma14:wrappingTextBoxFlag xmlns:ma14="http://schemas.microsoft.com/office/mac/drawingml/2011/main" xmlns="" val="1"/>
             </a:ext>
           </a:extLst>
         </p:spPr>
@@ -2575,7 +2575,7 @@
           </a:ln>
           <a:extLst>
             <a:ext uri="{C572A759-6A51-4108-AA02-DFA0A04FC94B}">
-              <ma14:wrappingTextBoxFlag xmlns="" xmlns:ma14="http://schemas.microsoft.com/office/mac/drawingml/2011/main" val="1"/>
+              <ma14:wrappingTextBoxFlag xmlns:ma14="http://schemas.microsoft.com/office/mac/drawingml/2011/main" xmlns="" val="1"/>
             </a:ext>
           </a:extLst>
         </p:spPr>
@@ -2615,7 +2615,7 @@
           </a:ln>
           <a:extLst>
             <a:ext uri="{C572A759-6A51-4108-AA02-DFA0A04FC94B}">
-              <ma14:wrappingTextBoxFlag xmlns="" xmlns:ma14="http://schemas.microsoft.com/office/mac/drawingml/2011/main" val="1"/>
+              <ma14:wrappingTextBoxFlag xmlns:ma14="http://schemas.microsoft.com/office/mac/drawingml/2011/main" xmlns="" val="1"/>
             </a:ext>
           </a:extLst>
         </p:spPr>
@@ -5625,13 +5625,8 @@
           <a:p>
             <a:r>
               <a:rPr lang="en-AU" dirty="0" smtClean="0"/>
-              <a:t>Count of query </a:t>
-            </a:r>
-            <a:r>
-              <a:rPr lang="en-AU" dirty="0" smtClean="0"/>
-              <a:t>words in document</a:t>
-            </a:r>
-            <a:endParaRPr lang="en-AU" dirty="0" smtClean="0"/>
+              <a:t>Count of query words in document</a:t>
+            </a:r>
           </a:p>
           <a:p>
             <a:r>
@@ -5747,28 +5742,15 @@
             </a:r>
             <a:r>
               <a:rPr lang="en-AU" smtClean="0"/>
-              <a:t>in </a:t>
-            </a:r>
-            <a:r>
-              <a:rPr lang="en-AU" smtClean="0"/>
-              <a:t>retrieved</a:t>
-            </a:r>
-            <a:r>
-              <a:rPr lang="en-AU" smtClean="0"/>
-              <a:t> passage(s)</a:t>
+              <a:t>in retrieved passage(s)</a:t>
             </a:r>
             <a:endParaRPr lang="en-AU" dirty="0" smtClean="0"/>
           </a:p>
           <a:p>
             <a:r>
               <a:rPr lang="en-AU" dirty="0" smtClean="0"/>
-              <a:t>But sometimes multiple </a:t>
-            </a:r>
-            <a:r>
-              <a:rPr lang="en-AU" dirty="0" smtClean="0"/>
-              <a:t>entities</a:t>
-            </a:r>
-            <a:endParaRPr lang="en-AU" dirty="0" smtClean="0"/>
+              <a:t>But sometimes multiple entities</a:t>
+            </a:r>
           </a:p>
           <a:p>
             <a:r>
@@ -9814,15 +9796,7 @@
                   <a:srgbClr val="FF0000"/>
                 </a:solidFill>
               </a:rPr>
-              <a:t>be a founder </a:t>
-            </a:r>
-            <a:r>
-              <a:rPr lang="en-AU" i="1" dirty="0" smtClean="0">
-                <a:solidFill>
-                  <a:srgbClr val="FF0000"/>
-                </a:solidFill>
-              </a:rPr>
-              <a:t>of</a:t>
+              <a:t>be a founder of</a:t>
             </a:r>
             <a:r>
               <a:rPr lang="en-AU" i="1" dirty="0" smtClean="0">
